--- a/Word/RawImageFiles/2-2-OccultationGeometry.pptx
+++ b/Word/RawImageFiles/2-2-OccultationGeometry.pptx
@@ -7,14 +7,14 @@
   <p:sldIdLst>
     <p:sldId id="256" r:id="rId2"/>
   </p:sldIdLst>
-  <p:sldSz cx="6480175" cy="3671888"/>
+  <p:sldSz cx="6840538" cy="4032250"/>
   <p:notesSz cx="6858000" cy="9144000"/>
   <p:defaultTextStyle>
     <a:defPPr>
       <a:defRPr lang="en-US"/>
     </a:defPPr>
-    <a:lvl1pPr marL="0" algn="l" defTabSz="914400" rtl="0" eaLnBrk="1" latinLnBrk="0" hangingPunct="1">
-      <a:defRPr sz="1800" kern="1200">
+    <a:lvl1pPr marL="0" algn="l" defTabSz="979231" rtl="0" eaLnBrk="1" latinLnBrk="0" hangingPunct="1">
+      <a:defRPr sz="1928" kern="1200">
         <a:solidFill>
           <a:schemeClr val="tx1"/>
         </a:solidFill>
@@ -23,8 +23,8 @@
         <a:cs typeface="+mn-cs"/>
       </a:defRPr>
     </a:lvl1pPr>
-    <a:lvl2pPr marL="457200" algn="l" defTabSz="914400" rtl="0" eaLnBrk="1" latinLnBrk="0" hangingPunct="1">
-      <a:defRPr sz="1800" kern="1200">
+    <a:lvl2pPr marL="489615" algn="l" defTabSz="979231" rtl="0" eaLnBrk="1" latinLnBrk="0" hangingPunct="1">
+      <a:defRPr sz="1928" kern="1200">
         <a:solidFill>
           <a:schemeClr val="tx1"/>
         </a:solidFill>
@@ -33,8 +33,8 @@
         <a:cs typeface="+mn-cs"/>
       </a:defRPr>
     </a:lvl2pPr>
-    <a:lvl3pPr marL="914400" algn="l" defTabSz="914400" rtl="0" eaLnBrk="1" latinLnBrk="0" hangingPunct="1">
-      <a:defRPr sz="1800" kern="1200">
+    <a:lvl3pPr marL="979231" algn="l" defTabSz="979231" rtl="0" eaLnBrk="1" latinLnBrk="0" hangingPunct="1">
+      <a:defRPr sz="1928" kern="1200">
         <a:solidFill>
           <a:schemeClr val="tx1"/>
         </a:solidFill>
@@ -43,8 +43,8 @@
         <a:cs typeface="+mn-cs"/>
       </a:defRPr>
     </a:lvl3pPr>
-    <a:lvl4pPr marL="1371600" algn="l" defTabSz="914400" rtl="0" eaLnBrk="1" latinLnBrk="0" hangingPunct="1">
-      <a:defRPr sz="1800" kern="1200">
+    <a:lvl4pPr marL="1468846" algn="l" defTabSz="979231" rtl="0" eaLnBrk="1" latinLnBrk="0" hangingPunct="1">
+      <a:defRPr sz="1928" kern="1200">
         <a:solidFill>
           <a:schemeClr val="tx1"/>
         </a:solidFill>
@@ -53,8 +53,8 @@
         <a:cs typeface="+mn-cs"/>
       </a:defRPr>
     </a:lvl4pPr>
-    <a:lvl5pPr marL="1828800" algn="l" defTabSz="914400" rtl="0" eaLnBrk="1" latinLnBrk="0" hangingPunct="1">
-      <a:defRPr sz="1800" kern="1200">
+    <a:lvl5pPr marL="1958462" algn="l" defTabSz="979231" rtl="0" eaLnBrk="1" latinLnBrk="0" hangingPunct="1">
+      <a:defRPr sz="1928" kern="1200">
         <a:solidFill>
           <a:schemeClr val="tx1"/>
         </a:solidFill>
@@ -63,8 +63,8 @@
         <a:cs typeface="+mn-cs"/>
       </a:defRPr>
     </a:lvl5pPr>
-    <a:lvl6pPr marL="2286000" algn="l" defTabSz="914400" rtl="0" eaLnBrk="1" latinLnBrk="0" hangingPunct="1">
-      <a:defRPr sz="1800" kern="1200">
+    <a:lvl6pPr marL="2448077" algn="l" defTabSz="979231" rtl="0" eaLnBrk="1" latinLnBrk="0" hangingPunct="1">
+      <a:defRPr sz="1928" kern="1200">
         <a:solidFill>
           <a:schemeClr val="tx1"/>
         </a:solidFill>
@@ -73,8 +73,8 @@
         <a:cs typeface="+mn-cs"/>
       </a:defRPr>
     </a:lvl6pPr>
-    <a:lvl7pPr marL="2743200" algn="l" defTabSz="914400" rtl="0" eaLnBrk="1" latinLnBrk="0" hangingPunct="1">
-      <a:defRPr sz="1800" kern="1200">
+    <a:lvl7pPr marL="2937693" algn="l" defTabSz="979231" rtl="0" eaLnBrk="1" latinLnBrk="0" hangingPunct="1">
+      <a:defRPr sz="1928" kern="1200">
         <a:solidFill>
           <a:schemeClr val="tx1"/>
         </a:solidFill>
@@ -83,8 +83,8 @@
         <a:cs typeface="+mn-cs"/>
       </a:defRPr>
     </a:lvl7pPr>
-    <a:lvl8pPr marL="3200400" algn="l" defTabSz="914400" rtl="0" eaLnBrk="1" latinLnBrk="0" hangingPunct="1">
-      <a:defRPr sz="1800" kern="1200">
+    <a:lvl8pPr marL="3427308" algn="l" defTabSz="979231" rtl="0" eaLnBrk="1" latinLnBrk="0" hangingPunct="1">
+      <a:defRPr sz="1928" kern="1200">
         <a:solidFill>
           <a:schemeClr val="tx1"/>
         </a:solidFill>
@@ -93,8 +93,8 @@
         <a:cs typeface="+mn-cs"/>
       </a:defRPr>
     </a:lvl8pPr>
-    <a:lvl9pPr marL="3657600" algn="l" defTabSz="914400" rtl="0" eaLnBrk="1" latinLnBrk="0" hangingPunct="1">
-      <a:defRPr sz="1800" kern="1200">
+    <a:lvl9pPr marL="3916924" algn="l" defTabSz="979231" rtl="0" eaLnBrk="1" latinLnBrk="0" hangingPunct="1">
+      <a:defRPr sz="1928" kern="1200">
         <a:solidFill>
           <a:schemeClr val="tx1"/>
         </a:solidFill>
@@ -107,12 +107,12 @@
   <p:extLst>
     <p:ext uri="{EFAFB233-063F-42B5-8137-9DF3F51BA10A}">
       <p15:sldGuideLst xmlns:p15="http://schemas.microsoft.com/office/powerpoint/2012/main">
-        <p15:guide id="1" orient="horz" pos="1157">
+        <p15:guide id="1" orient="horz" pos="1271" userDrawn="1">
           <p15:clr>
             <a:srgbClr val="A4A3A4"/>
           </p15:clr>
         </p15:guide>
-        <p15:guide id="2" pos="2041">
+        <p15:guide id="2" pos="2155" userDrawn="1">
           <p15:clr>
             <a:srgbClr val="A4A3A4"/>
           </p15:clr>
@@ -152,8 +152,8 @@
         </p:nvSpPr>
         <p:spPr>
           <a:xfrm>
-            <a:off x="486014" y="1140667"/>
-            <a:ext cx="5508148" cy="787076"/>
+            <a:off x="513041" y="1252613"/>
+            <a:ext cx="5814457" cy="864320"/>
           </a:xfrm>
         </p:spPr>
         <p:txBody>
@@ -180,8 +180,8 @@
         </p:nvSpPr>
         <p:spPr>
           <a:xfrm>
-            <a:off x="972030" y="2080738"/>
-            <a:ext cx="4536123" cy="938372"/>
+            <a:off x="1026085" y="2284943"/>
+            <a:ext cx="4788377" cy="1030465"/>
           </a:xfrm>
         </p:spPr>
         <p:txBody>
@@ -197,7 +197,7 @@
                 </a:solidFill>
               </a:defRPr>
             </a:lvl1pPr>
-            <a:lvl2pPr marL="457200" indent="0" algn="ctr">
+            <a:lvl2pPr marL="482620" indent="0" algn="ctr">
               <a:buNone/>
               <a:defRPr>
                 <a:solidFill>
@@ -207,7 +207,7 @@
                 </a:solidFill>
               </a:defRPr>
             </a:lvl2pPr>
-            <a:lvl3pPr marL="914400" indent="0" algn="ctr">
+            <a:lvl3pPr marL="965241" indent="0" algn="ctr">
               <a:buNone/>
               <a:defRPr>
                 <a:solidFill>
@@ -217,7 +217,7 @@
                 </a:solidFill>
               </a:defRPr>
             </a:lvl3pPr>
-            <a:lvl4pPr marL="1371600" indent="0" algn="ctr">
+            <a:lvl4pPr marL="1447861" indent="0" algn="ctr">
               <a:buNone/>
               <a:defRPr>
                 <a:solidFill>
@@ -227,7 +227,7 @@
                 </a:solidFill>
               </a:defRPr>
             </a:lvl4pPr>
-            <a:lvl5pPr marL="1828800" indent="0" algn="ctr">
+            <a:lvl5pPr marL="1930481" indent="0" algn="ctr">
               <a:buNone/>
               <a:defRPr>
                 <a:solidFill>
@@ -237,7 +237,7 @@
                 </a:solidFill>
               </a:defRPr>
             </a:lvl5pPr>
-            <a:lvl6pPr marL="2286000" indent="0" algn="ctr">
+            <a:lvl6pPr marL="2413102" indent="0" algn="ctr">
               <a:buNone/>
               <a:defRPr>
                 <a:solidFill>
@@ -247,7 +247,7 @@
                 </a:solidFill>
               </a:defRPr>
             </a:lvl6pPr>
-            <a:lvl7pPr marL="2743200" indent="0" algn="ctr">
+            <a:lvl7pPr marL="2895722" indent="0" algn="ctr">
               <a:buNone/>
               <a:defRPr>
                 <a:solidFill>
@@ -257,7 +257,7 @@
                 </a:solidFill>
               </a:defRPr>
             </a:lvl7pPr>
-            <a:lvl8pPr marL="3200400" indent="0" algn="ctr">
+            <a:lvl8pPr marL="3378342" indent="0" algn="ctr">
               <a:buNone/>
               <a:defRPr>
                 <a:solidFill>
@@ -267,7 +267,7 @@
                 </a:solidFill>
               </a:defRPr>
             </a:lvl8pPr>
-            <a:lvl9pPr marL="3657600" indent="0" algn="ctr">
+            <a:lvl9pPr marL="3860963" indent="0" algn="ctr">
               <a:buNone/>
               <a:defRPr>
                 <a:solidFill>
@@ -304,7 +304,7 @@
           <a:p>
             <a:fld id="{9BA332CA-9A9B-46E9-83A7-3E0A2F395768}" type="datetimeFigureOut">
               <a:rPr lang="en-CA" smtClean="0"/>
-              <a:t>04/03/2015</a:t>
+              <a:t>03/09/2015</a:t>
             </a:fld>
             <a:endParaRPr lang="en-CA"/>
           </a:p>
@@ -474,7 +474,7 @@
           <a:p>
             <a:fld id="{9BA332CA-9A9B-46E9-83A7-3E0A2F395768}" type="datetimeFigureOut">
               <a:rPr lang="en-CA" smtClean="0"/>
-              <a:t>04/03/2015</a:t>
+              <a:t>03/09/2015</a:t>
             </a:fld>
             <a:endParaRPr lang="en-CA"/>
           </a:p>
@@ -564,8 +564,8 @@
         </p:nvSpPr>
         <p:spPr>
           <a:xfrm>
-            <a:off x="4698127" y="147049"/>
-            <a:ext cx="1458040" cy="3133004"/>
+            <a:off x="4959390" y="161481"/>
+            <a:ext cx="1539122" cy="3440479"/>
           </a:xfrm>
         </p:spPr>
         <p:txBody>
@@ -592,8 +592,8 @@
         </p:nvSpPr>
         <p:spPr>
           <a:xfrm>
-            <a:off x="324014" y="147049"/>
-            <a:ext cx="4266115" cy="3133004"/>
+            <a:off x="342033" y="161481"/>
+            <a:ext cx="4503354" cy="3440479"/>
           </a:xfrm>
         </p:spPr>
         <p:txBody>
@@ -654,7 +654,7 @@
           <a:p>
             <a:fld id="{9BA332CA-9A9B-46E9-83A7-3E0A2F395768}" type="datetimeFigureOut">
               <a:rPr lang="en-CA" smtClean="0"/>
-              <a:t>04/03/2015</a:t>
+              <a:t>03/09/2015</a:t>
             </a:fld>
             <a:endParaRPr lang="en-CA"/>
           </a:p>
@@ -824,7 +824,7 @@
           <a:p>
             <a:fld id="{9BA332CA-9A9B-46E9-83A7-3E0A2F395768}" type="datetimeFigureOut">
               <a:rPr lang="en-CA" smtClean="0"/>
-              <a:t>04/03/2015</a:t>
+              <a:t>03/09/2015</a:t>
             </a:fld>
             <a:endParaRPr lang="en-CA"/>
           </a:p>
@@ -914,15 +914,15 @@
         </p:nvSpPr>
         <p:spPr>
           <a:xfrm>
-            <a:off x="511891" y="2359532"/>
-            <a:ext cx="5508148" cy="729277"/>
+            <a:off x="540357" y="2591099"/>
+            <a:ext cx="5814457" cy="800849"/>
           </a:xfrm>
         </p:spPr>
         <p:txBody>
           <a:bodyPr anchor="t"/>
           <a:lstStyle>
             <a:lvl1pPr algn="l">
-              <a:defRPr sz="4000" b="1" cap="all"/>
+              <a:defRPr sz="4222" b="1" cap="all"/>
             </a:lvl1pPr>
           </a:lstStyle>
           <a:p>
@@ -946,8 +946,8 @@
         </p:nvSpPr>
         <p:spPr>
           <a:xfrm>
-            <a:off x="511891" y="1556304"/>
-            <a:ext cx="5508148" cy="803225"/>
+            <a:off x="540357" y="1709042"/>
+            <a:ext cx="5814457" cy="882054"/>
           </a:xfrm>
         </p:spPr>
         <p:txBody>
@@ -955,7 +955,7 @@
           <a:lstStyle>
             <a:lvl1pPr marL="0" indent="0">
               <a:buNone/>
-              <a:defRPr sz="2000">
+              <a:defRPr sz="2111">
                 <a:solidFill>
                   <a:schemeClr val="tx1">
                     <a:tint val="75000"/>
@@ -963,9 +963,9 @@
                 </a:solidFill>
               </a:defRPr>
             </a:lvl1pPr>
-            <a:lvl2pPr marL="457200" indent="0">
-              <a:buNone/>
-              <a:defRPr sz="1800">
+            <a:lvl2pPr marL="482620" indent="0">
+              <a:buNone/>
+              <a:defRPr sz="1900">
                 <a:solidFill>
                   <a:schemeClr val="tx1">
                     <a:tint val="75000"/>
@@ -973,9 +973,9 @@
                 </a:solidFill>
               </a:defRPr>
             </a:lvl2pPr>
-            <a:lvl3pPr marL="914400" indent="0">
-              <a:buNone/>
-              <a:defRPr sz="1600">
+            <a:lvl3pPr marL="965241" indent="0">
+              <a:buNone/>
+              <a:defRPr sz="1689">
                 <a:solidFill>
                   <a:schemeClr val="tx1">
                     <a:tint val="75000"/>
@@ -983,9 +983,9 @@
                 </a:solidFill>
               </a:defRPr>
             </a:lvl3pPr>
-            <a:lvl4pPr marL="1371600" indent="0">
-              <a:buNone/>
-              <a:defRPr sz="1400">
+            <a:lvl4pPr marL="1447861" indent="0">
+              <a:buNone/>
+              <a:defRPr sz="1478">
                 <a:solidFill>
                   <a:schemeClr val="tx1">
                     <a:tint val="75000"/>
@@ -993,9 +993,9 @@
                 </a:solidFill>
               </a:defRPr>
             </a:lvl4pPr>
-            <a:lvl5pPr marL="1828800" indent="0">
-              <a:buNone/>
-              <a:defRPr sz="1400">
+            <a:lvl5pPr marL="1930481" indent="0">
+              <a:buNone/>
+              <a:defRPr sz="1478">
                 <a:solidFill>
                   <a:schemeClr val="tx1">
                     <a:tint val="75000"/>
@@ -1003,9 +1003,9 @@
                 </a:solidFill>
               </a:defRPr>
             </a:lvl5pPr>
-            <a:lvl6pPr marL="2286000" indent="0">
-              <a:buNone/>
-              <a:defRPr sz="1400">
+            <a:lvl6pPr marL="2413102" indent="0">
+              <a:buNone/>
+              <a:defRPr sz="1478">
                 <a:solidFill>
                   <a:schemeClr val="tx1">
                     <a:tint val="75000"/>
@@ -1013,9 +1013,9 @@
                 </a:solidFill>
               </a:defRPr>
             </a:lvl6pPr>
-            <a:lvl7pPr marL="2743200" indent="0">
-              <a:buNone/>
-              <a:defRPr sz="1400">
+            <a:lvl7pPr marL="2895722" indent="0">
+              <a:buNone/>
+              <a:defRPr sz="1478">
                 <a:solidFill>
                   <a:schemeClr val="tx1">
                     <a:tint val="75000"/>
@@ -1023,9 +1023,9 @@
                 </a:solidFill>
               </a:defRPr>
             </a:lvl7pPr>
-            <a:lvl8pPr marL="3200400" indent="0">
-              <a:buNone/>
-              <a:defRPr sz="1400">
+            <a:lvl8pPr marL="3378342" indent="0">
+              <a:buNone/>
+              <a:defRPr sz="1478">
                 <a:solidFill>
                   <a:schemeClr val="tx1">
                     <a:tint val="75000"/>
@@ -1033,9 +1033,9 @@
                 </a:solidFill>
               </a:defRPr>
             </a:lvl8pPr>
-            <a:lvl9pPr marL="3657600" indent="0">
-              <a:buNone/>
-              <a:defRPr sz="1400">
+            <a:lvl9pPr marL="3860963" indent="0">
+              <a:buNone/>
+              <a:defRPr sz="1478">
                 <a:solidFill>
                   <a:schemeClr val="tx1">
                     <a:tint val="75000"/>
@@ -1070,7 +1070,7 @@
           <a:p>
             <a:fld id="{9BA332CA-9A9B-46E9-83A7-3E0A2F395768}" type="datetimeFigureOut">
               <a:rPr lang="en-CA" smtClean="0"/>
-              <a:t>04/03/2015</a:t>
+              <a:t>03/09/2015</a:t>
             </a:fld>
             <a:endParaRPr lang="en-CA"/>
           </a:p>
@@ -1183,39 +1183,39 @@
         </p:nvSpPr>
         <p:spPr>
           <a:xfrm>
-            <a:off x="324012" y="856778"/>
-            <a:ext cx="2862077" cy="2423277"/>
+            <a:off x="342031" y="940864"/>
+            <a:ext cx="3021237" cy="2661099"/>
           </a:xfrm>
         </p:spPr>
         <p:txBody>
           <a:bodyPr/>
           <a:lstStyle>
             <a:lvl1pPr>
-              <a:defRPr sz="2800"/>
+              <a:defRPr sz="2956"/>
             </a:lvl1pPr>
             <a:lvl2pPr>
-              <a:defRPr sz="2400"/>
+              <a:defRPr sz="2533"/>
             </a:lvl2pPr>
             <a:lvl3pPr>
-              <a:defRPr sz="2000"/>
+              <a:defRPr sz="2111"/>
             </a:lvl3pPr>
             <a:lvl4pPr>
-              <a:defRPr sz="1800"/>
+              <a:defRPr sz="1900"/>
             </a:lvl4pPr>
             <a:lvl5pPr>
-              <a:defRPr sz="1800"/>
+              <a:defRPr sz="1900"/>
             </a:lvl5pPr>
             <a:lvl6pPr>
-              <a:defRPr sz="1800"/>
+              <a:defRPr sz="1900"/>
             </a:lvl6pPr>
             <a:lvl7pPr>
-              <a:defRPr sz="1800"/>
+              <a:defRPr sz="1900"/>
             </a:lvl7pPr>
             <a:lvl8pPr>
-              <a:defRPr sz="1800"/>
+              <a:defRPr sz="1900"/>
             </a:lvl8pPr>
             <a:lvl9pPr>
-              <a:defRPr sz="1800"/>
+              <a:defRPr sz="1900"/>
             </a:lvl9pPr>
           </a:lstStyle>
           <a:p>
@@ -1268,39 +1268,39 @@
         </p:nvSpPr>
         <p:spPr>
           <a:xfrm>
-            <a:off x="3294093" y="856778"/>
-            <a:ext cx="2862077" cy="2423277"/>
+            <a:off x="3477278" y="940864"/>
+            <a:ext cx="3021237" cy="2661099"/>
           </a:xfrm>
         </p:spPr>
         <p:txBody>
           <a:bodyPr/>
           <a:lstStyle>
             <a:lvl1pPr>
-              <a:defRPr sz="2800"/>
+              <a:defRPr sz="2956"/>
             </a:lvl1pPr>
             <a:lvl2pPr>
-              <a:defRPr sz="2400"/>
+              <a:defRPr sz="2533"/>
             </a:lvl2pPr>
             <a:lvl3pPr>
-              <a:defRPr sz="2000"/>
+              <a:defRPr sz="2111"/>
             </a:lvl3pPr>
             <a:lvl4pPr>
-              <a:defRPr sz="1800"/>
+              <a:defRPr sz="1900"/>
             </a:lvl4pPr>
             <a:lvl5pPr>
-              <a:defRPr sz="1800"/>
+              <a:defRPr sz="1900"/>
             </a:lvl5pPr>
             <a:lvl6pPr>
-              <a:defRPr sz="1800"/>
+              <a:defRPr sz="1900"/>
             </a:lvl6pPr>
             <a:lvl7pPr>
-              <a:defRPr sz="1800"/>
+              <a:defRPr sz="1900"/>
             </a:lvl7pPr>
             <a:lvl8pPr>
-              <a:defRPr sz="1800"/>
+              <a:defRPr sz="1900"/>
             </a:lvl8pPr>
             <a:lvl9pPr>
-              <a:defRPr sz="1800"/>
+              <a:defRPr sz="1900"/>
             </a:lvl9pPr>
           </a:lstStyle>
           <a:p>
@@ -1358,7 +1358,7 @@
           <a:p>
             <a:fld id="{9BA332CA-9A9B-46E9-83A7-3E0A2F395768}" type="datetimeFigureOut">
               <a:rPr lang="en-CA" smtClean="0"/>
-              <a:t>04/03/2015</a:t>
+              <a:t>03/09/2015</a:t>
             </a:fld>
             <a:endParaRPr lang="en-CA"/>
           </a:p>
@@ -1475,8 +1475,8 @@
         </p:nvSpPr>
         <p:spPr>
           <a:xfrm>
-            <a:off x="324014" y="821925"/>
-            <a:ext cx="2863203" cy="342540"/>
+            <a:off x="342033" y="902589"/>
+            <a:ext cx="3022426" cy="376157"/>
           </a:xfrm>
         </p:spPr>
         <p:txBody>
@@ -1484,39 +1484,39 @@
           <a:lstStyle>
             <a:lvl1pPr marL="0" indent="0">
               <a:buNone/>
-              <a:defRPr sz="2400" b="1"/>
+              <a:defRPr sz="2533" b="1"/>
             </a:lvl1pPr>
-            <a:lvl2pPr marL="457200" indent="0">
-              <a:buNone/>
-              <a:defRPr sz="2000" b="1"/>
+            <a:lvl2pPr marL="482620" indent="0">
+              <a:buNone/>
+              <a:defRPr sz="2111" b="1"/>
             </a:lvl2pPr>
-            <a:lvl3pPr marL="914400" indent="0">
-              <a:buNone/>
-              <a:defRPr sz="1800" b="1"/>
+            <a:lvl3pPr marL="965241" indent="0">
+              <a:buNone/>
+              <a:defRPr sz="1900" b="1"/>
             </a:lvl3pPr>
-            <a:lvl4pPr marL="1371600" indent="0">
-              <a:buNone/>
-              <a:defRPr sz="1600" b="1"/>
+            <a:lvl4pPr marL="1447861" indent="0">
+              <a:buNone/>
+              <a:defRPr sz="1689" b="1"/>
             </a:lvl4pPr>
-            <a:lvl5pPr marL="1828800" indent="0">
-              <a:buNone/>
-              <a:defRPr sz="1600" b="1"/>
+            <a:lvl5pPr marL="1930481" indent="0">
+              <a:buNone/>
+              <a:defRPr sz="1689" b="1"/>
             </a:lvl5pPr>
-            <a:lvl6pPr marL="2286000" indent="0">
-              <a:buNone/>
-              <a:defRPr sz="1600" b="1"/>
+            <a:lvl6pPr marL="2413102" indent="0">
+              <a:buNone/>
+              <a:defRPr sz="1689" b="1"/>
             </a:lvl6pPr>
-            <a:lvl7pPr marL="2743200" indent="0">
-              <a:buNone/>
-              <a:defRPr sz="1600" b="1"/>
+            <a:lvl7pPr marL="2895722" indent="0">
+              <a:buNone/>
+              <a:defRPr sz="1689" b="1"/>
             </a:lvl7pPr>
-            <a:lvl8pPr marL="3200400" indent="0">
-              <a:buNone/>
-              <a:defRPr sz="1600" b="1"/>
+            <a:lvl8pPr marL="3378342" indent="0">
+              <a:buNone/>
+              <a:defRPr sz="1689" b="1"/>
             </a:lvl8pPr>
-            <a:lvl9pPr marL="3657600" indent="0">
-              <a:buNone/>
-              <a:defRPr sz="1600" b="1"/>
+            <a:lvl9pPr marL="3860963" indent="0">
+              <a:buNone/>
+              <a:defRPr sz="1689" b="1"/>
             </a:lvl9pPr>
           </a:lstStyle>
           <a:p>
@@ -1540,39 +1540,39 @@
         </p:nvSpPr>
         <p:spPr>
           <a:xfrm>
-            <a:off x="324014" y="1164464"/>
-            <a:ext cx="2863203" cy="2115585"/>
+            <a:off x="342033" y="1278746"/>
+            <a:ext cx="3022426" cy="2323210"/>
           </a:xfrm>
         </p:spPr>
         <p:txBody>
           <a:bodyPr/>
           <a:lstStyle>
             <a:lvl1pPr>
-              <a:defRPr sz="2400"/>
+              <a:defRPr sz="2533"/>
             </a:lvl1pPr>
             <a:lvl2pPr>
-              <a:defRPr sz="2000"/>
+              <a:defRPr sz="2111"/>
             </a:lvl2pPr>
             <a:lvl3pPr>
-              <a:defRPr sz="1800"/>
+              <a:defRPr sz="1900"/>
             </a:lvl3pPr>
             <a:lvl4pPr>
-              <a:defRPr sz="1600"/>
+              <a:defRPr sz="1689"/>
             </a:lvl4pPr>
             <a:lvl5pPr>
-              <a:defRPr sz="1600"/>
+              <a:defRPr sz="1689"/>
             </a:lvl5pPr>
             <a:lvl6pPr>
-              <a:defRPr sz="1600"/>
+              <a:defRPr sz="1689"/>
             </a:lvl6pPr>
             <a:lvl7pPr>
-              <a:defRPr sz="1600"/>
+              <a:defRPr sz="1689"/>
             </a:lvl7pPr>
             <a:lvl8pPr>
-              <a:defRPr sz="1600"/>
+              <a:defRPr sz="1689"/>
             </a:lvl8pPr>
             <a:lvl9pPr>
-              <a:defRPr sz="1600"/>
+              <a:defRPr sz="1689"/>
             </a:lvl9pPr>
           </a:lstStyle>
           <a:p>
@@ -1625,8 +1625,8 @@
         </p:nvSpPr>
         <p:spPr>
           <a:xfrm>
-            <a:off x="3291840" y="821925"/>
-            <a:ext cx="2864328" cy="342540"/>
+            <a:off x="3474900" y="902589"/>
+            <a:ext cx="3023613" cy="376157"/>
           </a:xfrm>
         </p:spPr>
         <p:txBody>
@@ -1634,39 +1634,39 @@
           <a:lstStyle>
             <a:lvl1pPr marL="0" indent="0">
               <a:buNone/>
-              <a:defRPr sz="2400" b="1"/>
+              <a:defRPr sz="2533" b="1"/>
             </a:lvl1pPr>
-            <a:lvl2pPr marL="457200" indent="0">
-              <a:buNone/>
-              <a:defRPr sz="2000" b="1"/>
+            <a:lvl2pPr marL="482620" indent="0">
+              <a:buNone/>
+              <a:defRPr sz="2111" b="1"/>
             </a:lvl2pPr>
-            <a:lvl3pPr marL="914400" indent="0">
-              <a:buNone/>
-              <a:defRPr sz="1800" b="1"/>
+            <a:lvl3pPr marL="965241" indent="0">
+              <a:buNone/>
+              <a:defRPr sz="1900" b="1"/>
             </a:lvl3pPr>
-            <a:lvl4pPr marL="1371600" indent="0">
-              <a:buNone/>
-              <a:defRPr sz="1600" b="1"/>
+            <a:lvl4pPr marL="1447861" indent="0">
+              <a:buNone/>
+              <a:defRPr sz="1689" b="1"/>
             </a:lvl4pPr>
-            <a:lvl5pPr marL="1828800" indent="0">
-              <a:buNone/>
-              <a:defRPr sz="1600" b="1"/>
+            <a:lvl5pPr marL="1930481" indent="0">
+              <a:buNone/>
+              <a:defRPr sz="1689" b="1"/>
             </a:lvl5pPr>
-            <a:lvl6pPr marL="2286000" indent="0">
-              <a:buNone/>
-              <a:defRPr sz="1600" b="1"/>
+            <a:lvl6pPr marL="2413102" indent="0">
+              <a:buNone/>
+              <a:defRPr sz="1689" b="1"/>
             </a:lvl6pPr>
-            <a:lvl7pPr marL="2743200" indent="0">
-              <a:buNone/>
-              <a:defRPr sz="1600" b="1"/>
+            <a:lvl7pPr marL="2895722" indent="0">
+              <a:buNone/>
+              <a:defRPr sz="1689" b="1"/>
             </a:lvl7pPr>
-            <a:lvl8pPr marL="3200400" indent="0">
-              <a:buNone/>
-              <a:defRPr sz="1600" b="1"/>
+            <a:lvl8pPr marL="3378342" indent="0">
+              <a:buNone/>
+              <a:defRPr sz="1689" b="1"/>
             </a:lvl8pPr>
-            <a:lvl9pPr marL="3657600" indent="0">
-              <a:buNone/>
-              <a:defRPr sz="1600" b="1"/>
+            <a:lvl9pPr marL="3860963" indent="0">
+              <a:buNone/>
+              <a:defRPr sz="1689" b="1"/>
             </a:lvl9pPr>
           </a:lstStyle>
           <a:p>
@@ -1690,39 +1690,39 @@
         </p:nvSpPr>
         <p:spPr>
           <a:xfrm>
-            <a:off x="3291840" y="1164464"/>
-            <a:ext cx="2864328" cy="2115585"/>
+            <a:off x="3474900" y="1278746"/>
+            <a:ext cx="3023613" cy="2323210"/>
           </a:xfrm>
         </p:spPr>
         <p:txBody>
           <a:bodyPr/>
           <a:lstStyle>
             <a:lvl1pPr>
-              <a:defRPr sz="2400"/>
+              <a:defRPr sz="2533"/>
             </a:lvl1pPr>
             <a:lvl2pPr>
-              <a:defRPr sz="2000"/>
+              <a:defRPr sz="2111"/>
             </a:lvl2pPr>
             <a:lvl3pPr>
-              <a:defRPr sz="1800"/>
+              <a:defRPr sz="1900"/>
             </a:lvl3pPr>
             <a:lvl4pPr>
-              <a:defRPr sz="1600"/>
+              <a:defRPr sz="1689"/>
             </a:lvl4pPr>
             <a:lvl5pPr>
-              <a:defRPr sz="1600"/>
+              <a:defRPr sz="1689"/>
             </a:lvl5pPr>
             <a:lvl6pPr>
-              <a:defRPr sz="1600"/>
+              <a:defRPr sz="1689"/>
             </a:lvl6pPr>
             <a:lvl7pPr>
-              <a:defRPr sz="1600"/>
+              <a:defRPr sz="1689"/>
             </a:lvl7pPr>
             <a:lvl8pPr>
-              <a:defRPr sz="1600"/>
+              <a:defRPr sz="1689"/>
             </a:lvl8pPr>
             <a:lvl9pPr>
-              <a:defRPr sz="1600"/>
+              <a:defRPr sz="1689"/>
             </a:lvl9pPr>
           </a:lstStyle>
           <a:p>
@@ -1780,7 +1780,7 @@
           <a:p>
             <a:fld id="{9BA332CA-9A9B-46E9-83A7-3E0A2F395768}" type="datetimeFigureOut">
               <a:rPr lang="en-CA" smtClean="0"/>
-              <a:t>04/03/2015</a:t>
+              <a:t>03/09/2015</a:t>
             </a:fld>
             <a:endParaRPr lang="en-CA"/>
           </a:p>
@@ -1898,7 +1898,7 @@
           <a:p>
             <a:fld id="{9BA332CA-9A9B-46E9-83A7-3E0A2F395768}" type="datetimeFigureOut">
               <a:rPr lang="en-CA" smtClean="0"/>
-              <a:t>04/03/2015</a:t>
+              <a:t>03/09/2015</a:t>
             </a:fld>
             <a:endParaRPr lang="en-CA"/>
           </a:p>
@@ -1993,7 +1993,7 @@
           <a:p>
             <a:fld id="{9BA332CA-9A9B-46E9-83A7-3E0A2F395768}" type="datetimeFigureOut">
               <a:rPr lang="en-CA" smtClean="0"/>
-              <a:t>04/03/2015</a:t>
+              <a:t>03/09/2015</a:t>
             </a:fld>
             <a:endParaRPr lang="en-CA"/>
           </a:p>
@@ -2083,15 +2083,15 @@
         </p:nvSpPr>
         <p:spPr>
           <a:xfrm>
-            <a:off x="324013" y="146196"/>
-            <a:ext cx="2131933" cy="622180"/>
+            <a:off x="342032" y="160544"/>
+            <a:ext cx="2250490" cy="683241"/>
           </a:xfrm>
         </p:spPr>
         <p:txBody>
           <a:bodyPr anchor="b"/>
           <a:lstStyle>
             <a:lvl1pPr algn="l">
-              <a:defRPr sz="2000" b="1"/>
+              <a:defRPr sz="2111" b="1"/>
             </a:lvl1pPr>
           </a:lstStyle>
           <a:p>
@@ -2115,39 +2115,39 @@
         </p:nvSpPr>
         <p:spPr>
           <a:xfrm>
-            <a:off x="2533569" y="146198"/>
-            <a:ext cx="3622598" cy="3133855"/>
+            <a:off x="2674461" y="160547"/>
+            <a:ext cx="3824051" cy="3441414"/>
           </a:xfrm>
         </p:spPr>
         <p:txBody>
           <a:bodyPr/>
           <a:lstStyle>
             <a:lvl1pPr>
-              <a:defRPr sz="3200"/>
+              <a:defRPr sz="3378"/>
             </a:lvl1pPr>
             <a:lvl2pPr>
-              <a:defRPr sz="2800"/>
+              <a:defRPr sz="2956"/>
             </a:lvl2pPr>
             <a:lvl3pPr>
-              <a:defRPr sz="2400"/>
+              <a:defRPr sz="2533"/>
             </a:lvl3pPr>
             <a:lvl4pPr>
-              <a:defRPr sz="2000"/>
+              <a:defRPr sz="2111"/>
             </a:lvl4pPr>
             <a:lvl5pPr>
-              <a:defRPr sz="2000"/>
+              <a:defRPr sz="2111"/>
             </a:lvl5pPr>
             <a:lvl6pPr>
-              <a:defRPr sz="2000"/>
+              <a:defRPr sz="2111"/>
             </a:lvl6pPr>
             <a:lvl7pPr>
-              <a:defRPr sz="2000"/>
+              <a:defRPr sz="2111"/>
             </a:lvl7pPr>
             <a:lvl8pPr>
-              <a:defRPr sz="2000"/>
+              <a:defRPr sz="2111"/>
             </a:lvl8pPr>
             <a:lvl9pPr>
-              <a:defRPr sz="2000"/>
+              <a:defRPr sz="2111"/>
             </a:lvl9pPr>
           </a:lstStyle>
           <a:p>
@@ -2200,8 +2200,8 @@
         </p:nvSpPr>
         <p:spPr>
           <a:xfrm>
-            <a:off x="324013" y="768378"/>
-            <a:ext cx="2131933" cy="2511673"/>
+            <a:off x="342032" y="843788"/>
+            <a:ext cx="2250490" cy="2758171"/>
           </a:xfrm>
         </p:spPr>
         <p:txBody>
@@ -2209,39 +2209,39 @@
           <a:lstStyle>
             <a:lvl1pPr marL="0" indent="0">
               <a:buNone/>
-              <a:defRPr sz="1400"/>
+              <a:defRPr sz="1478"/>
             </a:lvl1pPr>
-            <a:lvl2pPr marL="457200" indent="0">
-              <a:buNone/>
-              <a:defRPr sz="1200"/>
+            <a:lvl2pPr marL="482620" indent="0">
+              <a:buNone/>
+              <a:defRPr sz="1267"/>
             </a:lvl2pPr>
-            <a:lvl3pPr marL="914400" indent="0">
-              <a:buNone/>
-              <a:defRPr sz="1000"/>
+            <a:lvl3pPr marL="965241" indent="0">
+              <a:buNone/>
+              <a:defRPr sz="1056"/>
             </a:lvl3pPr>
-            <a:lvl4pPr marL="1371600" indent="0">
-              <a:buNone/>
-              <a:defRPr sz="900"/>
+            <a:lvl4pPr marL="1447861" indent="0">
+              <a:buNone/>
+              <a:defRPr sz="950"/>
             </a:lvl4pPr>
-            <a:lvl5pPr marL="1828800" indent="0">
-              <a:buNone/>
-              <a:defRPr sz="900"/>
+            <a:lvl5pPr marL="1930481" indent="0">
+              <a:buNone/>
+              <a:defRPr sz="950"/>
             </a:lvl5pPr>
-            <a:lvl6pPr marL="2286000" indent="0">
-              <a:buNone/>
-              <a:defRPr sz="900"/>
+            <a:lvl6pPr marL="2413102" indent="0">
+              <a:buNone/>
+              <a:defRPr sz="950"/>
             </a:lvl6pPr>
-            <a:lvl7pPr marL="2743200" indent="0">
-              <a:buNone/>
-              <a:defRPr sz="900"/>
+            <a:lvl7pPr marL="2895722" indent="0">
+              <a:buNone/>
+              <a:defRPr sz="950"/>
             </a:lvl7pPr>
-            <a:lvl8pPr marL="3200400" indent="0">
-              <a:buNone/>
-              <a:defRPr sz="900"/>
+            <a:lvl8pPr marL="3378342" indent="0">
+              <a:buNone/>
+              <a:defRPr sz="950"/>
             </a:lvl8pPr>
-            <a:lvl9pPr marL="3657600" indent="0">
-              <a:buNone/>
-              <a:defRPr sz="900"/>
+            <a:lvl9pPr marL="3860963" indent="0">
+              <a:buNone/>
+              <a:defRPr sz="950"/>
             </a:lvl9pPr>
           </a:lstStyle>
           <a:p>
@@ -2270,7 +2270,7 @@
           <a:p>
             <a:fld id="{9BA332CA-9A9B-46E9-83A7-3E0A2F395768}" type="datetimeFigureOut">
               <a:rPr lang="en-CA" smtClean="0"/>
-              <a:t>04/03/2015</a:t>
+              <a:t>03/09/2015</a:t>
             </a:fld>
             <a:endParaRPr lang="en-CA"/>
           </a:p>
@@ -2360,15 +2360,15 @@
         </p:nvSpPr>
         <p:spPr>
           <a:xfrm>
-            <a:off x="1270164" y="2570323"/>
-            <a:ext cx="3888105" cy="303440"/>
+            <a:off x="1340798" y="2822576"/>
+            <a:ext cx="4104323" cy="333220"/>
           </a:xfrm>
         </p:spPr>
         <p:txBody>
           <a:bodyPr anchor="b"/>
           <a:lstStyle>
             <a:lvl1pPr algn="l">
-              <a:defRPr sz="2000" b="1"/>
+              <a:defRPr sz="2111" b="1"/>
             </a:lvl1pPr>
           </a:lstStyle>
           <a:p>
@@ -2392,8 +2392,8 @@
         </p:nvSpPr>
         <p:spPr>
           <a:xfrm>
-            <a:off x="1270164" y="328090"/>
-            <a:ext cx="3888105" cy="2203133"/>
+            <a:off x="1340798" y="360290"/>
+            <a:ext cx="4104323" cy="2419350"/>
           </a:xfrm>
         </p:spPr>
         <p:txBody>
@@ -2401,39 +2401,39 @@
           <a:lstStyle>
             <a:lvl1pPr marL="0" indent="0">
               <a:buNone/>
-              <a:defRPr sz="3200"/>
+              <a:defRPr sz="3378"/>
             </a:lvl1pPr>
-            <a:lvl2pPr marL="457200" indent="0">
-              <a:buNone/>
-              <a:defRPr sz="2800"/>
+            <a:lvl2pPr marL="482620" indent="0">
+              <a:buNone/>
+              <a:defRPr sz="2956"/>
             </a:lvl2pPr>
-            <a:lvl3pPr marL="914400" indent="0">
-              <a:buNone/>
-              <a:defRPr sz="2400"/>
+            <a:lvl3pPr marL="965241" indent="0">
+              <a:buNone/>
+              <a:defRPr sz="2533"/>
             </a:lvl3pPr>
-            <a:lvl4pPr marL="1371600" indent="0">
-              <a:buNone/>
-              <a:defRPr sz="2000"/>
+            <a:lvl4pPr marL="1447861" indent="0">
+              <a:buNone/>
+              <a:defRPr sz="2111"/>
             </a:lvl4pPr>
-            <a:lvl5pPr marL="1828800" indent="0">
-              <a:buNone/>
-              <a:defRPr sz="2000"/>
+            <a:lvl5pPr marL="1930481" indent="0">
+              <a:buNone/>
+              <a:defRPr sz="2111"/>
             </a:lvl5pPr>
-            <a:lvl6pPr marL="2286000" indent="0">
-              <a:buNone/>
-              <a:defRPr sz="2000"/>
+            <a:lvl6pPr marL="2413102" indent="0">
+              <a:buNone/>
+              <a:defRPr sz="2111"/>
             </a:lvl6pPr>
-            <a:lvl7pPr marL="2743200" indent="0">
-              <a:buNone/>
-              <a:defRPr sz="2000"/>
+            <a:lvl7pPr marL="2895722" indent="0">
+              <a:buNone/>
+              <a:defRPr sz="2111"/>
             </a:lvl7pPr>
-            <a:lvl8pPr marL="3200400" indent="0">
-              <a:buNone/>
-              <a:defRPr sz="2000"/>
+            <a:lvl8pPr marL="3378342" indent="0">
+              <a:buNone/>
+              <a:defRPr sz="2111"/>
             </a:lvl8pPr>
-            <a:lvl9pPr marL="3657600" indent="0">
-              <a:buNone/>
-              <a:defRPr sz="2000"/>
+            <a:lvl9pPr marL="3860963" indent="0">
+              <a:buNone/>
+              <a:defRPr sz="2111"/>
             </a:lvl9pPr>
           </a:lstStyle>
           <a:p>
@@ -2453,8 +2453,8 @@
         </p:nvSpPr>
         <p:spPr>
           <a:xfrm>
-            <a:off x="1270164" y="2873763"/>
-            <a:ext cx="3888105" cy="430937"/>
+            <a:off x="1340798" y="3155797"/>
+            <a:ext cx="4104323" cy="473229"/>
           </a:xfrm>
         </p:spPr>
         <p:txBody>
@@ -2462,39 +2462,39 @@
           <a:lstStyle>
             <a:lvl1pPr marL="0" indent="0">
               <a:buNone/>
-              <a:defRPr sz="1400"/>
+              <a:defRPr sz="1478"/>
             </a:lvl1pPr>
-            <a:lvl2pPr marL="457200" indent="0">
-              <a:buNone/>
-              <a:defRPr sz="1200"/>
+            <a:lvl2pPr marL="482620" indent="0">
+              <a:buNone/>
+              <a:defRPr sz="1267"/>
             </a:lvl2pPr>
-            <a:lvl3pPr marL="914400" indent="0">
-              <a:buNone/>
-              <a:defRPr sz="1000"/>
+            <a:lvl3pPr marL="965241" indent="0">
+              <a:buNone/>
+              <a:defRPr sz="1056"/>
             </a:lvl3pPr>
-            <a:lvl4pPr marL="1371600" indent="0">
-              <a:buNone/>
-              <a:defRPr sz="900"/>
+            <a:lvl4pPr marL="1447861" indent="0">
+              <a:buNone/>
+              <a:defRPr sz="950"/>
             </a:lvl4pPr>
-            <a:lvl5pPr marL="1828800" indent="0">
-              <a:buNone/>
-              <a:defRPr sz="900"/>
+            <a:lvl5pPr marL="1930481" indent="0">
+              <a:buNone/>
+              <a:defRPr sz="950"/>
             </a:lvl5pPr>
-            <a:lvl6pPr marL="2286000" indent="0">
-              <a:buNone/>
-              <a:defRPr sz="900"/>
+            <a:lvl6pPr marL="2413102" indent="0">
+              <a:buNone/>
+              <a:defRPr sz="950"/>
             </a:lvl6pPr>
-            <a:lvl7pPr marL="2743200" indent="0">
-              <a:buNone/>
-              <a:defRPr sz="900"/>
+            <a:lvl7pPr marL="2895722" indent="0">
+              <a:buNone/>
+              <a:defRPr sz="950"/>
             </a:lvl7pPr>
-            <a:lvl8pPr marL="3200400" indent="0">
-              <a:buNone/>
-              <a:defRPr sz="900"/>
+            <a:lvl8pPr marL="3378342" indent="0">
+              <a:buNone/>
+              <a:defRPr sz="950"/>
             </a:lvl8pPr>
-            <a:lvl9pPr marL="3657600" indent="0">
-              <a:buNone/>
-              <a:defRPr sz="900"/>
+            <a:lvl9pPr marL="3860963" indent="0">
+              <a:buNone/>
+              <a:defRPr sz="950"/>
             </a:lvl9pPr>
           </a:lstStyle>
           <a:p>
@@ -2523,7 +2523,7 @@
           <a:p>
             <a:fld id="{9BA332CA-9A9B-46E9-83A7-3E0A2F395768}" type="datetimeFigureOut">
               <a:rPr lang="en-CA" smtClean="0"/>
-              <a:t>04/03/2015</a:t>
+              <a:t>03/09/2015</a:t>
             </a:fld>
             <a:endParaRPr lang="en-CA"/>
           </a:p>
@@ -2618,8 +2618,8 @@
         </p:nvSpPr>
         <p:spPr>
           <a:xfrm>
-            <a:off x="324009" y="147046"/>
-            <a:ext cx="5832158" cy="611982"/>
+            <a:off x="342027" y="161477"/>
+            <a:ext cx="6156485" cy="672042"/>
           </a:xfrm>
           <a:prstGeom prst="rect">
             <a:avLst/>
@@ -2651,8 +2651,8 @@
         </p:nvSpPr>
         <p:spPr>
           <a:xfrm>
-            <a:off x="324009" y="856778"/>
-            <a:ext cx="5832158" cy="2423277"/>
+            <a:off x="342027" y="940864"/>
+            <a:ext cx="6156485" cy="2661099"/>
           </a:xfrm>
           <a:prstGeom prst="rect">
             <a:avLst/>
@@ -2713,8 +2713,8 @@
         </p:nvSpPr>
         <p:spPr>
           <a:xfrm>
-            <a:off x="324013" y="3403298"/>
-            <a:ext cx="1512041" cy="195495"/>
+            <a:off x="342032" y="3737301"/>
+            <a:ext cx="1596126" cy="214681"/>
           </a:xfrm>
           <a:prstGeom prst="rect">
             <a:avLst/>
@@ -2724,7 +2724,7 @@
           <a:bodyPr vert="horz" lIns="91440" tIns="45720" rIns="91440" bIns="45720" rtlCol="0" anchor="ctr"/>
           <a:lstStyle>
             <a:lvl1pPr algn="l">
-              <a:defRPr sz="1200">
+              <a:defRPr sz="1267">
                 <a:solidFill>
                   <a:schemeClr val="tx1">
                     <a:tint val="75000"/>
@@ -2736,7 +2736,7 @@
           <a:p>
             <a:fld id="{9BA332CA-9A9B-46E9-83A7-3E0A2F395768}" type="datetimeFigureOut">
               <a:rPr lang="en-CA" smtClean="0"/>
-              <a:t>04/03/2015</a:t>
+              <a:t>03/09/2015</a:t>
             </a:fld>
             <a:endParaRPr lang="en-CA"/>
           </a:p>
@@ -2754,8 +2754,8 @@
         </p:nvSpPr>
         <p:spPr>
           <a:xfrm>
-            <a:off x="2214064" y="3403298"/>
-            <a:ext cx="2052055" cy="195495"/>
+            <a:off x="2337189" y="3737301"/>
+            <a:ext cx="2166170" cy="214681"/>
           </a:xfrm>
           <a:prstGeom prst="rect">
             <a:avLst/>
@@ -2765,7 +2765,7 @@
           <a:bodyPr vert="horz" lIns="91440" tIns="45720" rIns="91440" bIns="45720" rtlCol="0" anchor="ctr"/>
           <a:lstStyle>
             <a:lvl1pPr algn="ctr">
-              <a:defRPr sz="1200">
+              <a:defRPr sz="1267">
                 <a:solidFill>
                   <a:schemeClr val="tx1">
                     <a:tint val="75000"/>
@@ -2791,8 +2791,8 @@
         </p:nvSpPr>
         <p:spPr>
           <a:xfrm>
-            <a:off x="4644130" y="3403298"/>
-            <a:ext cx="1512041" cy="195495"/>
+            <a:off x="4902391" y="3737301"/>
+            <a:ext cx="1596126" cy="214681"/>
           </a:xfrm>
           <a:prstGeom prst="rect">
             <a:avLst/>
@@ -2802,7 +2802,7 @@
           <a:bodyPr vert="horz" lIns="91440" tIns="45720" rIns="91440" bIns="45720" rtlCol="0" anchor="ctr"/>
           <a:lstStyle>
             <a:lvl1pPr algn="r">
-              <a:defRPr sz="1200">
+              <a:defRPr sz="1267">
                 <a:solidFill>
                   <a:schemeClr val="tx1">
                     <a:tint val="75000"/>
@@ -2843,12 +2843,12 @@
   </p:sldLayoutIdLst>
   <p:txStyles>
     <p:titleStyle>
-      <a:lvl1pPr algn="ctr" defTabSz="914400" rtl="0" eaLnBrk="1" latinLnBrk="0" hangingPunct="1">
+      <a:lvl1pPr algn="ctr" defTabSz="965241" rtl="0" eaLnBrk="1" latinLnBrk="0" hangingPunct="1">
         <a:spcBef>
           <a:spcPct val="0"/>
         </a:spcBef>
         <a:buNone/>
-        <a:defRPr sz="4400" kern="1200">
+        <a:defRPr sz="4645" kern="1200">
           <a:solidFill>
             <a:schemeClr val="tx1"/>
           </a:solidFill>
@@ -2859,13 +2859,13 @@
       </a:lvl1pPr>
     </p:titleStyle>
     <p:bodyStyle>
-      <a:lvl1pPr marL="342900" indent="-342900" algn="l" defTabSz="914400" rtl="0" eaLnBrk="1" latinLnBrk="0" hangingPunct="1">
+      <a:lvl1pPr marL="361965" indent="-361965" algn="l" defTabSz="965241" rtl="0" eaLnBrk="1" latinLnBrk="0" hangingPunct="1">
         <a:spcBef>
           <a:spcPct val="20000"/>
         </a:spcBef>
         <a:buFont typeface="Arial" pitchFamily="34" charset="0"/>
         <a:buChar char="•"/>
-        <a:defRPr sz="3200" kern="1200">
+        <a:defRPr sz="3378" kern="1200">
           <a:solidFill>
             <a:schemeClr val="tx1"/>
           </a:solidFill>
@@ -2874,13 +2874,13 @@
           <a:cs typeface="+mn-cs"/>
         </a:defRPr>
       </a:lvl1pPr>
-      <a:lvl2pPr marL="742950" indent="-285750" algn="l" defTabSz="914400" rtl="0" eaLnBrk="1" latinLnBrk="0" hangingPunct="1">
+      <a:lvl2pPr marL="784258" indent="-301638" algn="l" defTabSz="965241" rtl="0" eaLnBrk="1" latinLnBrk="0" hangingPunct="1">
         <a:spcBef>
           <a:spcPct val="20000"/>
         </a:spcBef>
         <a:buFont typeface="Arial" pitchFamily="34" charset="0"/>
         <a:buChar char="–"/>
-        <a:defRPr sz="2800" kern="1200">
+        <a:defRPr sz="2956" kern="1200">
           <a:solidFill>
             <a:schemeClr val="tx1"/>
           </a:solidFill>
@@ -2889,13 +2889,13 @@
           <a:cs typeface="+mn-cs"/>
         </a:defRPr>
       </a:lvl2pPr>
-      <a:lvl3pPr marL="1143000" indent="-228600" algn="l" defTabSz="914400" rtl="0" eaLnBrk="1" latinLnBrk="0" hangingPunct="1">
+      <a:lvl3pPr marL="1206551" indent="-241310" algn="l" defTabSz="965241" rtl="0" eaLnBrk="1" latinLnBrk="0" hangingPunct="1">
         <a:spcBef>
           <a:spcPct val="20000"/>
         </a:spcBef>
         <a:buFont typeface="Arial" pitchFamily="34" charset="0"/>
         <a:buChar char="•"/>
-        <a:defRPr sz="2400" kern="1200">
+        <a:defRPr sz="2533" kern="1200">
           <a:solidFill>
             <a:schemeClr val="tx1"/>
           </a:solidFill>
@@ -2904,13 +2904,13 @@
           <a:cs typeface="+mn-cs"/>
         </a:defRPr>
       </a:lvl3pPr>
-      <a:lvl4pPr marL="1600200" indent="-228600" algn="l" defTabSz="914400" rtl="0" eaLnBrk="1" latinLnBrk="0" hangingPunct="1">
+      <a:lvl4pPr marL="1689171" indent="-241310" algn="l" defTabSz="965241" rtl="0" eaLnBrk="1" latinLnBrk="0" hangingPunct="1">
         <a:spcBef>
           <a:spcPct val="20000"/>
         </a:spcBef>
         <a:buFont typeface="Arial" pitchFamily="34" charset="0"/>
         <a:buChar char="–"/>
-        <a:defRPr sz="2000" kern="1200">
+        <a:defRPr sz="2111" kern="1200">
           <a:solidFill>
             <a:schemeClr val="tx1"/>
           </a:solidFill>
@@ -2919,13 +2919,13 @@
           <a:cs typeface="+mn-cs"/>
         </a:defRPr>
       </a:lvl4pPr>
-      <a:lvl5pPr marL="2057400" indent="-228600" algn="l" defTabSz="914400" rtl="0" eaLnBrk="1" latinLnBrk="0" hangingPunct="1">
+      <a:lvl5pPr marL="2171791" indent="-241310" algn="l" defTabSz="965241" rtl="0" eaLnBrk="1" latinLnBrk="0" hangingPunct="1">
         <a:spcBef>
           <a:spcPct val="20000"/>
         </a:spcBef>
         <a:buFont typeface="Arial" pitchFamily="34" charset="0"/>
         <a:buChar char="»"/>
-        <a:defRPr sz="2000" kern="1200">
+        <a:defRPr sz="2111" kern="1200">
           <a:solidFill>
             <a:schemeClr val="tx1"/>
           </a:solidFill>
@@ -2934,13 +2934,13 @@
           <a:cs typeface="+mn-cs"/>
         </a:defRPr>
       </a:lvl5pPr>
-      <a:lvl6pPr marL="2514600" indent="-228600" algn="l" defTabSz="914400" rtl="0" eaLnBrk="1" latinLnBrk="0" hangingPunct="1">
+      <a:lvl6pPr marL="2654412" indent="-241310" algn="l" defTabSz="965241" rtl="0" eaLnBrk="1" latinLnBrk="0" hangingPunct="1">
         <a:spcBef>
           <a:spcPct val="20000"/>
         </a:spcBef>
         <a:buFont typeface="Arial" pitchFamily="34" charset="0"/>
         <a:buChar char="•"/>
-        <a:defRPr sz="2000" kern="1200">
+        <a:defRPr sz="2111" kern="1200">
           <a:solidFill>
             <a:schemeClr val="tx1"/>
           </a:solidFill>
@@ -2949,13 +2949,13 @@
           <a:cs typeface="+mn-cs"/>
         </a:defRPr>
       </a:lvl6pPr>
-      <a:lvl7pPr marL="2971800" indent="-228600" algn="l" defTabSz="914400" rtl="0" eaLnBrk="1" latinLnBrk="0" hangingPunct="1">
+      <a:lvl7pPr marL="3137032" indent="-241310" algn="l" defTabSz="965241" rtl="0" eaLnBrk="1" latinLnBrk="0" hangingPunct="1">
         <a:spcBef>
           <a:spcPct val="20000"/>
         </a:spcBef>
         <a:buFont typeface="Arial" pitchFamily="34" charset="0"/>
         <a:buChar char="•"/>
-        <a:defRPr sz="2000" kern="1200">
+        <a:defRPr sz="2111" kern="1200">
           <a:solidFill>
             <a:schemeClr val="tx1"/>
           </a:solidFill>
@@ -2964,13 +2964,13 @@
           <a:cs typeface="+mn-cs"/>
         </a:defRPr>
       </a:lvl7pPr>
-      <a:lvl8pPr marL="3429000" indent="-228600" algn="l" defTabSz="914400" rtl="0" eaLnBrk="1" latinLnBrk="0" hangingPunct="1">
+      <a:lvl8pPr marL="3619652" indent="-241310" algn="l" defTabSz="965241" rtl="0" eaLnBrk="1" latinLnBrk="0" hangingPunct="1">
         <a:spcBef>
           <a:spcPct val="20000"/>
         </a:spcBef>
         <a:buFont typeface="Arial" pitchFamily="34" charset="0"/>
         <a:buChar char="•"/>
-        <a:defRPr sz="2000" kern="1200">
+        <a:defRPr sz="2111" kern="1200">
           <a:solidFill>
             <a:schemeClr val="tx1"/>
           </a:solidFill>
@@ -2979,13 +2979,13 @@
           <a:cs typeface="+mn-cs"/>
         </a:defRPr>
       </a:lvl8pPr>
-      <a:lvl9pPr marL="3886200" indent="-228600" algn="l" defTabSz="914400" rtl="0" eaLnBrk="1" latinLnBrk="0" hangingPunct="1">
+      <a:lvl9pPr marL="4102273" indent="-241310" algn="l" defTabSz="965241" rtl="0" eaLnBrk="1" latinLnBrk="0" hangingPunct="1">
         <a:spcBef>
           <a:spcPct val="20000"/>
         </a:spcBef>
         <a:buFont typeface="Arial" pitchFamily="34" charset="0"/>
         <a:buChar char="•"/>
-        <a:defRPr sz="2000" kern="1200">
+        <a:defRPr sz="2111" kern="1200">
           <a:solidFill>
             <a:schemeClr val="tx1"/>
           </a:solidFill>
@@ -2999,8 +2999,8 @@
       <a:defPPr>
         <a:defRPr lang="en-US"/>
       </a:defPPr>
-      <a:lvl1pPr marL="0" algn="l" defTabSz="914400" rtl="0" eaLnBrk="1" latinLnBrk="0" hangingPunct="1">
-        <a:defRPr sz="1800" kern="1200">
+      <a:lvl1pPr marL="0" algn="l" defTabSz="965241" rtl="0" eaLnBrk="1" latinLnBrk="0" hangingPunct="1">
+        <a:defRPr sz="1900" kern="1200">
           <a:solidFill>
             <a:schemeClr val="tx1"/>
           </a:solidFill>
@@ -3009,8 +3009,8 @@
           <a:cs typeface="+mn-cs"/>
         </a:defRPr>
       </a:lvl1pPr>
-      <a:lvl2pPr marL="457200" algn="l" defTabSz="914400" rtl="0" eaLnBrk="1" latinLnBrk="0" hangingPunct="1">
-        <a:defRPr sz="1800" kern="1200">
+      <a:lvl2pPr marL="482620" algn="l" defTabSz="965241" rtl="0" eaLnBrk="1" latinLnBrk="0" hangingPunct="1">
+        <a:defRPr sz="1900" kern="1200">
           <a:solidFill>
             <a:schemeClr val="tx1"/>
           </a:solidFill>
@@ -3019,8 +3019,8 @@
           <a:cs typeface="+mn-cs"/>
         </a:defRPr>
       </a:lvl2pPr>
-      <a:lvl3pPr marL="914400" algn="l" defTabSz="914400" rtl="0" eaLnBrk="1" latinLnBrk="0" hangingPunct="1">
-        <a:defRPr sz="1800" kern="1200">
+      <a:lvl3pPr marL="965241" algn="l" defTabSz="965241" rtl="0" eaLnBrk="1" latinLnBrk="0" hangingPunct="1">
+        <a:defRPr sz="1900" kern="1200">
           <a:solidFill>
             <a:schemeClr val="tx1"/>
           </a:solidFill>
@@ -3029,8 +3029,8 @@
           <a:cs typeface="+mn-cs"/>
         </a:defRPr>
       </a:lvl3pPr>
-      <a:lvl4pPr marL="1371600" algn="l" defTabSz="914400" rtl="0" eaLnBrk="1" latinLnBrk="0" hangingPunct="1">
-        <a:defRPr sz="1800" kern="1200">
+      <a:lvl4pPr marL="1447861" algn="l" defTabSz="965241" rtl="0" eaLnBrk="1" latinLnBrk="0" hangingPunct="1">
+        <a:defRPr sz="1900" kern="1200">
           <a:solidFill>
             <a:schemeClr val="tx1"/>
           </a:solidFill>
@@ -3039,8 +3039,8 @@
           <a:cs typeface="+mn-cs"/>
         </a:defRPr>
       </a:lvl4pPr>
-      <a:lvl5pPr marL="1828800" algn="l" defTabSz="914400" rtl="0" eaLnBrk="1" latinLnBrk="0" hangingPunct="1">
-        <a:defRPr sz="1800" kern="1200">
+      <a:lvl5pPr marL="1930481" algn="l" defTabSz="965241" rtl="0" eaLnBrk="1" latinLnBrk="0" hangingPunct="1">
+        <a:defRPr sz="1900" kern="1200">
           <a:solidFill>
             <a:schemeClr val="tx1"/>
           </a:solidFill>
@@ -3049,8 +3049,8 @@
           <a:cs typeface="+mn-cs"/>
         </a:defRPr>
       </a:lvl5pPr>
-      <a:lvl6pPr marL="2286000" algn="l" defTabSz="914400" rtl="0" eaLnBrk="1" latinLnBrk="0" hangingPunct="1">
-        <a:defRPr sz="1800" kern="1200">
+      <a:lvl6pPr marL="2413102" algn="l" defTabSz="965241" rtl="0" eaLnBrk="1" latinLnBrk="0" hangingPunct="1">
+        <a:defRPr sz="1900" kern="1200">
           <a:solidFill>
             <a:schemeClr val="tx1"/>
           </a:solidFill>
@@ -3059,8 +3059,8 @@
           <a:cs typeface="+mn-cs"/>
         </a:defRPr>
       </a:lvl6pPr>
-      <a:lvl7pPr marL="2743200" algn="l" defTabSz="914400" rtl="0" eaLnBrk="1" latinLnBrk="0" hangingPunct="1">
-        <a:defRPr sz="1800" kern="1200">
+      <a:lvl7pPr marL="2895722" algn="l" defTabSz="965241" rtl="0" eaLnBrk="1" latinLnBrk="0" hangingPunct="1">
+        <a:defRPr sz="1900" kern="1200">
           <a:solidFill>
             <a:schemeClr val="tx1"/>
           </a:solidFill>
@@ -3069,8 +3069,8 @@
           <a:cs typeface="+mn-cs"/>
         </a:defRPr>
       </a:lvl7pPr>
-      <a:lvl8pPr marL="3200400" algn="l" defTabSz="914400" rtl="0" eaLnBrk="1" latinLnBrk="0" hangingPunct="1">
-        <a:defRPr sz="1800" kern="1200">
+      <a:lvl8pPr marL="3378342" algn="l" defTabSz="965241" rtl="0" eaLnBrk="1" latinLnBrk="0" hangingPunct="1">
+        <a:defRPr sz="1900" kern="1200">
           <a:solidFill>
             <a:schemeClr val="tx1"/>
           </a:solidFill>
@@ -3079,8 +3079,8 @@
           <a:cs typeface="+mn-cs"/>
         </a:defRPr>
       </a:lvl8pPr>
-      <a:lvl9pPr marL="3657600" algn="l" defTabSz="914400" rtl="0" eaLnBrk="1" latinLnBrk="0" hangingPunct="1">
-        <a:defRPr sz="1800" kern="1200">
+      <a:lvl9pPr marL="3860963" algn="l" defTabSz="965241" rtl="0" eaLnBrk="1" latinLnBrk="0" hangingPunct="1">
+        <a:defRPr sz="1900" kern="1200">
           <a:solidFill>
             <a:schemeClr val="tx1"/>
           </a:solidFill>
@@ -3113,13 +3113,13 @@
       </p:grpSpPr>
       <p:sp>
         <p:nvSpPr>
-          <p:cNvPr id="164" name="Oval 163"/>
+          <p:cNvPr id="23" name="Oval 22"/>
           <p:cNvSpPr/>
           <p:nvPr/>
         </p:nvSpPr>
         <p:spPr>
           <a:xfrm>
-            <a:off x="661570" y="1571628"/>
+            <a:off x="661570" y="1788026"/>
             <a:ext cx="5184576" cy="4968552"/>
           </a:xfrm>
           <a:prstGeom prst="ellipse">
@@ -3157,13 +3157,13 @@
       </p:sp>
       <p:sp>
         <p:nvSpPr>
-          <p:cNvPr id="165" name="Oval 164"/>
+          <p:cNvPr id="24" name="Oval 23"/>
           <p:cNvSpPr/>
           <p:nvPr/>
         </p:nvSpPr>
         <p:spPr>
           <a:xfrm>
-            <a:off x="877594" y="1787652"/>
+            <a:off x="877594" y="2004050"/>
             <a:ext cx="4752528" cy="4536504"/>
           </a:xfrm>
           <a:prstGeom prst="ellipse">
@@ -3201,13 +3201,13 @@
       </p:sp>
       <p:sp>
         <p:nvSpPr>
-          <p:cNvPr id="166" name="Oval 165"/>
+          <p:cNvPr id="25" name="Oval 24"/>
           <p:cNvSpPr/>
           <p:nvPr/>
         </p:nvSpPr>
         <p:spPr>
           <a:xfrm>
-            <a:off x="1093618" y="2020768"/>
+            <a:off x="1093618" y="2237166"/>
             <a:ext cx="4248472" cy="4032448"/>
           </a:xfrm>
           <a:prstGeom prst="ellipse">
@@ -3245,13 +3245,13 @@
       </p:sp>
       <p:sp>
         <p:nvSpPr>
-          <p:cNvPr id="167" name="Oval 166"/>
+          <p:cNvPr id="26" name="Oval 25"/>
           <p:cNvSpPr/>
           <p:nvPr/>
         </p:nvSpPr>
         <p:spPr>
           <a:xfrm>
-            <a:off x="1309642" y="2236792"/>
+            <a:off x="1309642" y="2453190"/>
             <a:ext cx="3816424" cy="3600400"/>
           </a:xfrm>
           <a:prstGeom prst="ellipse">
@@ -3289,13 +3289,13 @@
       </p:sp>
       <p:sp>
         <p:nvSpPr>
-          <p:cNvPr id="168" name="Oval 167"/>
+          <p:cNvPr id="27" name="Oval 26"/>
           <p:cNvSpPr/>
           <p:nvPr/>
         </p:nvSpPr>
         <p:spPr>
           <a:xfrm>
-            <a:off x="1525666" y="2435724"/>
+            <a:off x="1525666" y="2652122"/>
             <a:ext cx="3384376" cy="3212976"/>
           </a:xfrm>
           <a:prstGeom prst="ellipse">
@@ -3341,13 +3341,13 @@
       </p:sp>
       <p:sp>
         <p:nvSpPr>
-          <p:cNvPr id="169" name="Rectangle 168"/>
+          <p:cNvPr id="28" name="Rectangle 27"/>
           <p:cNvSpPr/>
           <p:nvPr/>
         </p:nvSpPr>
         <p:spPr>
           <a:xfrm>
-            <a:off x="317410" y="3677727"/>
+            <a:off x="317410" y="3894125"/>
             <a:ext cx="5744760" cy="2893292"/>
           </a:xfrm>
           <a:prstGeom prst="rect">
@@ -3382,13 +3382,13 @@
       </p:sp>
       <p:sp>
         <p:nvSpPr>
-          <p:cNvPr id="170" name="Isosceles Triangle 169"/>
+          <p:cNvPr id="29" name="Isosceles Triangle 28"/>
           <p:cNvSpPr/>
           <p:nvPr/>
         </p:nvSpPr>
         <p:spPr>
           <a:xfrm rot="15783493">
-            <a:off x="5801001" y="1971958"/>
+            <a:off x="5801001" y="2188356"/>
             <a:ext cx="504056" cy="432048"/>
           </a:xfrm>
           <a:prstGeom prst="triangle">
@@ -3420,13 +3420,13 @@
       </p:sp>
       <p:sp>
         <p:nvSpPr>
-          <p:cNvPr id="172" name="Oval 171"/>
+          <p:cNvPr id="30" name="Oval 29"/>
           <p:cNvSpPr/>
           <p:nvPr/>
         </p:nvSpPr>
         <p:spPr>
           <a:xfrm>
-            <a:off x="106482" y="2153930"/>
+            <a:off x="106482" y="2370328"/>
             <a:ext cx="648072" cy="648072"/>
           </a:xfrm>
           <a:prstGeom prst="ellipse">
@@ -3458,13 +3458,13 @@
       </p:sp>
       <p:sp>
         <p:nvSpPr>
-          <p:cNvPr id="179" name="TextBox 178"/>
+          <p:cNvPr id="31" name="TextBox 30"/>
           <p:cNvSpPr txBox="1"/>
           <p:nvPr/>
         </p:nvSpPr>
         <p:spPr>
           <a:xfrm>
-            <a:off x="2867597" y="3190435"/>
+            <a:off x="2867597" y="3406833"/>
             <a:ext cx="628505" cy="338554"/>
           </a:xfrm>
           <a:prstGeom prst="rect">
@@ -3488,13 +3488,13 @@
       </p:sp>
       <p:sp>
         <p:nvSpPr>
-          <p:cNvPr id="182" name="TextBox 181"/>
+          <p:cNvPr id="32" name="TextBox 31"/>
           <p:cNvSpPr txBox="1"/>
           <p:nvPr/>
         </p:nvSpPr>
         <p:spPr>
           <a:xfrm>
-            <a:off x="164926" y="2287708"/>
+            <a:off x="164926" y="2504106"/>
             <a:ext cx="494046" cy="338554"/>
           </a:xfrm>
           <a:prstGeom prst="rect">
@@ -3518,13 +3518,13 @@
       </p:sp>
       <p:sp>
         <p:nvSpPr>
-          <p:cNvPr id="183" name="TextBox 182"/>
+          <p:cNvPr id="33" name="TextBox 32"/>
           <p:cNvSpPr txBox="1"/>
           <p:nvPr/>
         </p:nvSpPr>
         <p:spPr>
           <a:xfrm>
-            <a:off x="3732263" y="28390"/>
+            <a:off x="3732263" y="244788"/>
             <a:ext cx="1110176" cy="338554"/>
           </a:xfrm>
           <a:prstGeom prst="rect">
@@ -3548,16 +3548,16 @@
       </p:sp>
       <p:cxnSp>
         <p:nvCxnSpPr>
-          <p:cNvPr id="4" name="Straight Arrow Connector 3"/>
+          <p:cNvPr id="34" name="Straight Arrow Connector 33"/>
           <p:cNvCxnSpPr>
-            <a:stCxn id="170" idx="0"/>
-            <a:endCxn id="172" idx="6"/>
+            <a:stCxn id="29" idx="0"/>
+            <a:endCxn id="30" idx="6"/>
           </p:cNvCxnSpPr>
           <p:nvPr/>
         </p:nvCxnSpPr>
         <p:spPr>
           <a:xfrm flipH="1">
-            <a:off x="754554" y="2214091"/>
+            <a:off x="754554" y="2430489"/>
             <a:ext cx="5084035" cy="263875"/>
           </a:xfrm>
           <a:prstGeom prst="straightConnector1">
@@ -3585,16 +3585,16 @@
       </p:cxnSp>
       <p:cxnSp>
         <p:nvCxnSpPr>
-          <p:cNvPr id="7" name="Straight Arrow Connector 6"/>
+          <p:cNvPr id="35" name="Straight Arrow Connector 34"/>
           <p:cNvCxnSpPr>
-            <a:stCxn id="40" idx="0"/>
-            <a:endCxn id="172" idx="6"/>
+            <a:stCxn id="39" idx="0"/>
+            <a:endCxn id="30" idx="6"/>
           </p:cNvCxnSpPr>
           <p:nvPr/>
         </p:nvCxnSpPr>
         <p:spPr>
           <a:xfrm flipH="1">
-            <a:off x="754554" y="1753019"/>
+            <a:off x="754554" y="1969417"/>
             <a:ext cx="4824195" cy="724947"/>
           </a:xfrm>
           <a:prstGeom prst="straightConnector1">
@@ -3622,16 +3622,16 @@
       </p:cxnSp>
       <p:cxnSp>
         <p:nvCxnSpPr>
-          <p:cNvPr id="9" name="Straight Arrow Connector 8"/>
+          <p:cNvPr id="36" name="Straight Arrow Connector 35"/>
           <p:cNvCxnSpPr>
-            <a:stCxn id="66" idx="0"/>
-            <a:endCxn id="172" idx="6"/>
+            <a:stCxn id="41" idx="0"/>
+            <a:endCxn id="30" idx="6"/>
           </p:cNvCxnSpPr>
           <p:nvPr/>
         </p:nvCxnSpPr>
         <p:spPr>
           <a:xfrm flipH="1">
-            <a:off x="754554" y="1304652"/>
+            <a:off x="754554" y="1521050"/>
             <a:ext cx="4573312" cy="1173314"/>
           </a:xfrm>
           <a:prstGeom prst="straightConnector1">
@@ -3659,16 +3659,16 @@
       </p:cxnSp>
       <p:cxnSp>
         <p:nvCxnSpPr>
-          <p:cNvPr id="11" name="Straight Arrow Connector 10"/>
+          <p:cNvPr id="37" name="Straight Arrow Connector 36"/>
           <p:cNvCxnSpPr>
-            <a:stCxn id="70" idx="0"/>
-            <a:endCxn id="172" idx="6"/>
+            <a:stCxn id="42" idx="0"/>
+            <a:endCxn id="30" idx="6"/>
           </p:cNvCxnSpPr>
           <p:nvPr/>
         </p:nvCxnSpPr>
         <p:spPr>
           <a:xfrm flipH="1">
-            <a:off x="754554" y="811832"/>
+            <a:off x="754554" y="1028230"/>
             <a:ext cx="4289163" cy="1666134"/>
           </a:xfrm>
           <a:prstGeom prst="straightConnector1">
@@ -3696,16 +3696,16 @@
       </p:cxnSp>
       <p:cxnSp>
         <p:nvCxnSpPr>
-          <p:cNvPr id="13" name="Straight Arrow Connector 12"/>
+          <p:cNvPr id="38" name="Straight Arrow Connector 37"/>
           <p:cNvCxnSpPr>
-            <a:stCxn id="77" idx="0"/>
-            <a:endCxn id="172" idx="6"/>
+            <a:stCxn id="43" idx="0"/>
+            <a:endCxn id="30" idx="6"/>
           </p:cNvCxnSpPr>
           <p:nvPr/>
         </p:nvCxnSpPr>
         <p:spPr>
           <a:xfrm flipH="1">
-            <a:off x="754554" y="366016"/>
+            <a:off x="754554" y="582414"/>
             <a:ext cx="4054438" cy="2111950"/>
           </a:xfrm>
           <a:prstGeom prst="straightConnector1">
@@ -3733,13 +3733,13 @@
       </p:cxnSp>
       <p:sp>
         <p:nvSpPr>
-          <p:cNvPr id="40" name="Isosceles Triangle 39"/>
+          <p:cNvPr id="39" name="Isosceles Triangle 38"/>
           <p:cNvSpPr/>
           <p:nvPr/>
         </p:nvSpPr>
         <p:spPr>
           <a:xfrm rot="15433048">
-            <a:off x="5537391" y="1489199"/>
+            <a:off x="5537391" y="1705597"/>
             <a:ext cx="504056" cy="432048"/>
           </a:xfrm>
           <a:prstGeom prst="triangle">
@@ -3771,13 +3771,13 @@
       </p:sp>
       <p:sp>
         <p:nvSpPr>
-          <p:cNvPr id="66" name="Isosceles Triangle 65"/>
+          <p:cNvPr id="41" name="Isosceles Triangle 40"/>
           <p:cNvSpPr/>
           <p:nvPr/>
         </p:nvSpPr>
         <p:spPr>
           <a:xfrm rot="14854752">
-            <a:off x="5275532" y="1006235"/>
+            <a:off x="5275532" y="1222633"/>
             <a:ext cx="504056" cy="432048"/>
           </a:xfrm>
           <a:prstGeom prst="triangle">
@@ -3809,13 +3809,13 @@
       </p:sp>
       <p:sp>
         <p:nvSpPr>
-          <p:cNvPr id="70" name="Isosceles Triangle 69"/>
+          <p:cNvPr id="42" name="Isosceles Triangle 41"/>
           <p:cNvSpPr/>
           <p:nvPr/>
         </p:nvSpPr>
         <p:spPr>
           <a:xfrm rot="14823328">
-            <a:off x="4990622" y="511593"/>
+            <a:off x="4990622" y="727991"/>
             <a:ext cx="504056" cy="432048"/>
           </a:xfrm>
           <a:prstGeom prst="triangle">
@@ -3847,13 +3847,13 @@
       </p:sp>
       <p:sp>
         <p:nvSpPr>
-          <p:cNvPr id="77" name="Isosceles Triangle 76"/>
+          <p:cNvPr id="43" name="Isosceles Triangle 42"/>
           <p:cNvSpPr/>
           <p:nvPr/>
         </p:nvSpPr>
         <p:spPr>
           <a:xfrm rot="14340787">
-            <a:off x="4742158" y="38774"/>
+            <a:off x="4742158" y="255172"/>
             <a:ext cx="504056" cy="432048"/>
           </a:xfrm>
           <a:prstGeom prst="triangle">
@@ -3885,13 +3885,13 @@
       </p:sp>
       <p:cxnSp>
         <p:nvCxnSpPr>
-          <p:cNvPr id="61" name="Straight Arrow Connector 60"/>
+          <p:cNvPr id="44" name="Straight Arrow Connector 43"/>
           <p:cNvCxnSpPr/>
           <p:nvPr/>
         </p:nvCxnSpPr>
         <p:spPr>
           <a:xfrm flipH="1" flipV="1">
-            <a:off x="4824263" y="26203"/>
+            <a:off x="4824263" y="242601"/>
             <a:ext cx="1406773" cy="2451764"/>
           </a:xfrm>
           <a:prstGeom prst="straightConnector1">
